--- a/documents/verpat_tutorial.pptx
+++ b/documents/verpat_tutorial.pptx
@@ -2860,7 +2860,7 @@
           <a:p>
             <a:fld id="{71FA83A2-1891-6244-833D-B6398972C597}" type="datetimeFigureOut">
               <a:rPr lang="en-US" smtClean="0"/>
-              <a:t>9/17/2018</a:t>
+              <a:t>9/18/18</a:t>
             </a:fld>
             <a:endParaRPr lang="en-US"/>
           </a:p>
@@ -3058,7 +3058,7 @@
           <a:p>
             <a:fld id="{71FA83A2-1891-6244-833D-B6398972C597}" type="datetimeFigureOut">
               <a:rPr lang="en-US" smtClean="0"/>
-              <a:t>9/17/2018</a:t>
+              <a:t>9/18/18</a:t>
             </a:fld>
             <a:endParaRPr lang="en-US"/>
           </a:p>
@@ -3266,7 +3266,7 @@
           <a:p>
             <a:fld id="{71FA83A2-1891-6244-833D-B6398972C597}" type="datetimeFigureOut">
               <a:rPr lang="en-US" smtClean="0"/>
-              <a:t>9/17/2018</a:t>
+              <a:t>9/18/18</a:t>
             </a:fld>
             <a:endParaRPr lang="en-US"/>
           </a:p>
@@ -3464,7 +3464,7 @@
           <a:p>
             <a:fld id="{71FA83A2-1891-6244-833D-B6398972C597}" type="datetimeFigureOut">
               <a:rPr lang="en-US" smtClean="0"/>
-              <a:t>9/17/2018</a:t>
+              <a:t>9/18/18</a:t>
             </a:fld>
             <a:endParaRPr lang="en-US"/>
           </a:p>
@@ -3739,7 +3739,7 @@
           <a:p>
             <a:fld id="{71FA83A2-1891-6244-833D-B6398972C597}" type="datetimeFigureOut">
               <a:rPr lang="en-US" smtClean="0"/>
-              <a:t>9/17/2018</a:t>
+              <a:t>9/18/18</a:t>
             </a:fld>
             <a:endParaRPr lang="en-US"/>
           </a:p>
@@ -4004,7 +4004,7 @@
           <a:p>
             <a:fld id="{71FA83A2-1891-6244-833D-B6398972C597}" type="datetimeFigureOut">
               <a:rPr lang="en-US" smtClean="0"/>
-              <a:t>9/17/2018</a:t>
+              <a:t>9/18/18</a:t>
             </a:fld>
             <a:endParaRPr lang="en-US"/>
           </a:p>
@@ -4416,7 +4416,7 @@
           <a:p>
             <a:fld id="{71FA83A2-1891-6244-833D-B6398972C597}" type="datetimeFigureOut">
               <a:rPr lang="en-US" smtClean="0"/>
-              <a:t>9/17/2018</a:t>
+              <a:t>9/18/18</a:t>
             </a:fld>
             <a:endParaRPr lang="en-US"/>
           </a:p>
@@ -4557,7 +4557,7 @@
           <a:p>
             <a:fld id="{71FA83A2-1891-6244-833D-B6398972C597}" type="datetimeFigureOut">
               <a:rPr lang="en-US" smtClean="0"/>
-              <a:t>9/17/2018</a:t>
+              <a:t>9/18/18</a:t>
             </a:fld>
             <a:endParaRPr lang="en-US"/>
           </a:p>
@@ -4670,7 +4670,7 @@
           <a:p>
             <a:fld id="{71FA83A2-1891-6244-833D-B6398972C597}" type="datetimeFigureOut">
               <a:rPr lang="en-US" smtClean="0"/>
-              <a:t>9/17/2018</a:t>
+              <a:t>9/18/18</a:t>
             </a:fld>
             <a:endParaRPr lang="en-US"/>
           </a:p>
@@ -4981,7 +4981,7 @@
           <a:p>
             <a:fld id="{71FA83A2-1891-6244-833D-B6398972C597}" type="datetimeFigureOut">
               <a:rPr lang="en-US" smtClean="0"/>
-              <a:t>9/17/2018</a:t>
+              <a:t>9/18/18</a:t>
             </a:fld>
             <a:endParaRPr lang="en-US"/>
           </a:p>
@@ -5269,7 +5269,7 @@
           <a:p>
             <a:fld id="{71FA83A2-1891-6244-833D-B6398972C597}" type="datetimeFigureOut">
               <a:rPr lang="en-US" smtClean="0"/>
-              <a:t>9/17/2018</a:t>
+              <a:t>9/18/18</a:t>
             </a:fld>
             <a:endParaRPr lang="en-US"/>
           </a:p>
@@ -5510,7 +5510,7 @@
           <a:p>
             <a:fld id="{71FA83A2-1891-6244-833D-B6398972C597}" type="datetimeFigureOut">
               <a:rPr lang="en-US" smtClean="0"/>
-              <a:t>9/17/2018</a:t>
+              <a:t>9/18/18</a:t>
             </a:fld>
             <a:endParaRPr lang="en-US"/>
           </a:p>
@@ -6670,149 +6670,170 @@
           <a:chExt cx="0" cy="0"/>
         </a:xfrm>
       </p:grpSpPr>
-      <p:pic>
-        <p:nvPicPr>
-          <p:cNvPr id="4" name="Picture 3">
+      <p:grpSp>
+        <p:nvGrpSpPr>
+          <p:cNvPr id="5" name="Group 4">
             <a:extLst>
               <a:ext uri="{FF2B5EF4-FFF2-40B4-BE49-F238E27FC236}">
-                <a16:creationId xmlns:a16="http://schemas.microsoft.com/office/drawing/2014/main" id="{15B34B94-9475-3A42-8517-405A894E5A6D}"/>
+                <a16:creationId xmlns:a16="http://schemas.microsoft.com/office/drawing/2014/main" id="{835726AA-AB22-954F-A251-21360F1BECC3}"/>
               </a:ext>
             </a:extLst>
           </p:cNvPr>
-          <p:cNvPicPr>
-            <a:picLocks noChangeAspect="1"/>
-          </p:cNvPicPr>
+          <p:cNvGrpSpPr/>
           <p:nvPr/>
-        </p:nvPicPr>
-        <p:blipFill>
-          <a:blip r:embed="rId2"/>
-          <a:stretch>
-            <a:fillRect/>
-          </a:stretch>
-        </p:blipFill>
-        <p:spPr>
+        </p:nvGrpSpPr>
+        <p:grpSpPr>
           <a:xfrm>
             <a:off x="1913704" y="0"/>
             <a:ext cx="8364591" cy="6858000"/>
+            <a:chOff x="1913704" y="0"/>
+            <a:chExt cx="8364591" cy="6858000"/>
           </a:xfrm>
-          <a:prstGeom prst="rect">
-            <a:avLst/>
-          </a:prstGeom>
-        </p:spPr>
-      </p:pic>
-      <p:sp>
-        <p:nvSpPr>
-          <p:cNvPr id="2" name="Left Arrow 1">
-            <a:extLst>
-              <a:ext uri="{FF2B5EF4-FFF2-40B4-BE49-F238E27FC236}">
-                <a16:creationId xmlns:a16="http://schemas.microsoft.com/office/drawing/2014/main" id="{71AB0715-9527-D14D-B0E6-9A77B73EBE54}"/>
-              </a:ext>
-            </a:extLst>
-          </p:cNvPr>
-          <p:cNvSpPr/>
-          <p:nvPr/>
-        </p:nvSpPr>
-        <p:spPr>
-          <a:xfrm rot="11842468">
-            <a:off x="4563256" y="628150"/>
-            <a:ext cx="700645" cy="463138"/>
-          </a:xfrm>
-          <a:prstGeom prst="leftArrow">
-            <a:avLst/>
-          </a:prstGeom>
-          <a:solidFill>
-            <a:schemeClr val="accent2"/>
-          </a:solidFill>
-          <a:ln>
-            <a:solidFill>
-              <a:schemeClr val="tx1"/>
-            </a:solidFill>
-          </a:ln>
-        </p:spPr>
-        <p:style>
-          <a:lnRef idx="2">
-            <a:schemeClr val="accent1">
-              <a:shade val="50000"/>
-            </a:schemeClr>
-          </a:lnRef>
-          <a:fillRef idx="1">
-            <a:schemeClr val="accent1"/>
-          </a:fillRef>
-          <a:effectRef idx="0">
-            <a:schemeClr val="accent1"/>
-          </a:effectRef>
-          <a:fontRef idx="minor">
-            <a:schemeClr val="lt1"/>
-          </a:fontRef>
-        </p:style>
-        <p:txBody>
-          <a:bodyPr rtlCol="0" anchor="ctr"/>
-          <a:lstStyle/>
-          <a:p>
-            <a:pPr algn="ctr"/>
-            <a:endParaRPr lang="en-US" dirty="0"/>
-          </a:p>
-        </p:txBody>
-      </p:sp>
-      <p:sp>
-        <p:nvSpPr>
-          <p:cNvPr id="3" name="Rounded Rectangle 2">
-            <a:extLst>
-              <a:ext uri="{FF2B5EF4-FFF2-40B4-BE49-F238E27FC236}">
-                <a16:creationId xmlns:a16="http://schemas.microsoft.com/office/drawing/2014/main" id="{3F5F2482-0263-EE46-B099-0E753234CE72}"/>
-              </a:ext>
-            </a:extLst>
-          </p:cNvPr>
-          <p:cNvSpPr/>
-          <p:nvPr/>
-        </p:nvSpPr>
-        <p:spPr>
-          <a:xfrm>
-            <a:off x="5285169" y="924836"/>
-            <a:ext cx="914400" cy="457200"/>
-          </a:xfrm>
-          <a:prstGeom prst="roundRect">
-            <a:avLst/>
-          </a:prstGeom>
-          <a:noFill/>
-          <a:ln w="38100">
+        </p:grpSpPr>
+        <p:pic>
+          <p:nvPicPr>
+            <p:cNvPr id="4" name="Picture 3">
+              <a:extLst>
+                <a:ext uri="{FF2B5EF4-FFF2-40B4-BE49-F238E27FC236}">
+                  <a16:creationId xmlns:a16="http://schemas.microsoft.com/office/drawing/2014/main" id="{15B34B94-9475-3A42-8517-405A894E5A6D}"/>
+                </a:ext>
+              </a:extLst>
+            </p:cNvPr>
+            <p:cNvPicPr>
+              <a:picLocks noChangeAspect="1"/>
+            </p:cNvPicPr>
+            <p:nvPr/>
+          </p:nvPicPr>
+          <p:blipFill>
+            <a:blip r:embed="rId2"/>
+            <a:stretch>
+              <a:fillRect/>
+            </a:stretch>
+          </p:blipFill>
+          <p:spPr>
+            <a:xfrm>
+              <a:off x="1913704" y="0"/>
+              <a:ext cx="8364591" cy="6858000"/>
+            </a:xfrm>
+            <a:prstGeom prst="rect">
+              <a:avLst/>
+            </a:prstGeom>
+          </p:spPr>
+        </p:pic>
+        <p:sp>
+          <p:nvSpPr>
+            <p:cNvPr id="2" name="Left Arrow 1">
+              <a:extLst>
+                <a:ext uri="{FF2B5EF4-FFF2-40B4-BE49-F238E27FC236}">
+                  <a16:creationId xmlns:a16="http://schemas.microsoft.com/office/drawing/2014/main" id="{71AB0715-9527-D14D-B0E6-9A77B73EBE54}"/>
+                </a:ext>
+              </a:extLst>
+            </p:cNvPr>
+            <p:cNvSpPr/>
+            <p:nvPr/>
+          </p:nvSpPr>
+          <p:spPr>
+            <a:xfrm rot="11842468">
+              <a:off x="4563256" y="628150"/>
+              <a:ext cx="700645" cy="463138"/>
+            </a:xfrm>
+            <a:prstGeom prst="leftArrow">
+              <a:avLst/>
+            </a:prstGeom>
             <a:solidFill>
               <a:schemeClr val="accent2"/>
             </a:solidFill>
-          </a:ln>
-          <a:effectLst>
-            <a:outerShdw blurRad="50800" dist="38100" dir="2700000" algn="tl" rotWithShape="0">
-              <a:prstClr val="black">
-                <a:alpha val="40000"/>
-              </a:prstClr>
-            </a:outerShdw>
-          </a:effectLst>
-        </p:spPr>
-        <p:style>
-          <a:lnRef idx="2">
-            <a:schemeClr val="accent1">
-              <a:shade val="50000"/>
-            </a:schemeClr>
-          </a:lnRef>
-          <a:fillRef idx="1">
-            <a:schemeClr val="accent1"/>
-          </a:fillRef>
-          <a:effectRef idx="0">
-            <a:schemeClr val="accent1"/>
-          </a:effectRef>
-          <a:fontRef idx="minor">
-            <a:schemeClr val="lt1"/>
-          </a:fontRef>
-        </p:style>
-        <p:txBody>
-          <a:bodyPr rtlCol="0" anchor="ctr"/>
-          <a:lstStyle/>
-          <a:p>
-            <a:pPr algn="ctr"/>
-            <a:endParaRPr lang="en-US"/>
-          </a:p>
-        </p:txBody>
-      </p:sp>
+            <a:ln>
+              <a:solidFill>
+                <a:schemeClr val="tx1"/>
+              </a:solidFill>
+            </a:ln>
+          </p:spPr>
+          <p:style>
+            <a:lnRef idx="2">
+              <a:schemeClr val="accent1">
+                <a:shade val="50000"/>
+              </a:schemeClr>
+            </a:lnRef>
+            <a:fillRef idx="1">
+              <a:schemeClr val="accent1"/>
+            </a:fillRef>
+            <a:effectRef idx="0">
+              <a:schemeClr val="accent1"/>
+            </a:effectRef>
+            <a:fontRef idx="minor">
+              <a:schemeClr val="lt1"/>
+            </a:fontRef>
+          </p:style>
+          <p:txBody>
+            <a:bodyPr rtlCol="0" anchor="ctr"/>
+            <a:lstStyle/>
+            <a:p>
+              <a:pPr algn="ctr"/>
+              <a:endParaRPr lang="en-US" dirty="0"/>
+            </a:p>
+          </p:txBody>
+        </p:sp>
+        <p:sp>
+          <p:nvSpPr>
+            <p:cNvPr id="3" name="Rounded Rectangle 2">
+              <a:extLst>
+                <a:ext uri="{FF2B5EF4-FFF2-40B4-BE49-F238E27FC236}">
+                  <a16:creationId xmlns:a16="http://schemas.microsoft.com/office/drawing/2014/main" id="{3F5F2482-0263-EE46-B099-0E753234CE72}"/>
+                </a:ext>
+              </a:extLst>
+            </p:cNvPr>
+            <p:cNvSpPr/>
+            <p:nvPr/>
+          </p:nvSpPr>
+          <p:spPr>
+            <a:xfrm>
+              <a:off x="5285169" y="924836"/>
+              <a:ext cx="914400" cy="457200"/>
+            </a:xfrm>
+            <a:prstGeom prst="roundRect">
+              <a:avLst/>
+            </a:prstGeom>
+            <a:noFill/>
+            <a:ln w="38100">
+              <a:solidFill>
+                <a:schemeClr val="accent2"/>
+              </a:solidFill>
+            </a:ln>
+            <a:effectLst>
+              <a:outerShdw blurRad="50800" dist="38100" dir="2700000" algn="tl" rotWithShape="0">
+                <a:prstClr val="black">
+                  <a:alpha val="40000"/>
+                </a:prstClr>
+              </a:outerShdw>
+            </a:effectLst>
+          </p:spPr>
+          <p:style>
+            <a:lnRef idx="2">
+              <a:schemeClr val="accent1">
+                <a:shade val="50000"/>
+              </a:schemeClr>
+            </a:lnRef>
+            <a:fillRef idx="1">
+              <a:schemeClr val="accent1"/>
+            </a:fillRef>
+            <a:effectRef idx="0">
+              <a:schemeClr val="accent1"/>
+            </a:effectRef>
+            <a:fontRef idx="minor">
+              <a:schemeClr val="lt1"/>
+            </a:fontRef>
+          </p:style>
+          <p:txBody>
+            <a:bodyPr rtlCol="0" anchor="ctr"/>
+            <a:lstStyle/>
+            <a:p>
+              <a:pPr algn="ctr"/>
+              <a:endParaRPr lang="en-US"/>
+            </a:p>
+          </p:txBody>
+        </p:sp>
+      </p:grpSp>
     </p:spTree>
     <p:extLst>
       <p:ext uri="{BB962C8B-B14F-4D97-AF65-F5344CB8AC3E}">
@@ -6933,149 +6954,170 @@
           </a:prstGeom>
         </p:spPr>
       </p:pic>
-      <p:pic>
-        <p:nvPicPr>
-          <p:cNvPr id="3" name="Picture 2">
+      <p:grpSp>
+        <p:nvGrpSpPr>
+          <p:cNvPr id="2" name="Group 1">
             <a:extLst>
               <a:ext uri="{FF2B5EF4-FFF2-40B4-BE49-F238E27FC236}">
-                <a16:creationId xmlns:a16="http://schemas.microsoft.com/office/drawing/2014/main" id="{0C0898A7-F383-0548-8178-55B9CCFAA7CC}"/>
+                <a16:creationId xmlns:a16="http://schemas.microsoft.com/office/drawing/2014/main" id="{2DDEE7C6-DD64-0049-B052-27DB779B3AC5}"/>
               </a:ext>
             </a:extLst>
           </p:cNvPr>
-          <p:cNvPicPr>
-            <a:picLocks noChangeAspect="1"/>
-          </p:cNvPicPr>
+          <p:cNvGrpSpPr/>
           <p:nvPr/>
-        </p:nvPicPr>
-        <p:blipFill>
-          <a:blip r:embed="rId2"/>
-          <a:stretch>
-            <a:fillRect/>
-          </a:stretch>
-        </p:blipFill>
-        <p:spPr>
+        </p:nvGrpSpPr>
+        <p:grpSpPr>
           <a:xfrm>
             <a:off x="1913704" y="0"/>
             <a:ext cx="8364591" cy="6858000"/>
+            <a:chOff x="1913704" y="0"/>
+            <a:chExt cx="8364591" cy="6858000"/>
           </a:xfrm>
-          <a:prstGeom prst="rect">
-            <a:avLst/>
-          </a:prstGeom>
-        </p:spPr>
-      </p:pic>
-      <p:sp>
-        <p:nvSpPr>
-          <p:cNvPr id="5" name="Left Arrow 4">
-            <a:extLst>
-              <a:ext uri="{FF2B5EF4-FFF2-40B4-BE49-F238E27FC236}">
-                <a16:creationId xmlns:a16="http://schemas.microsoft.com/office/drawing/2014/main" id="{52B4379C-CCE8-F34C-B47C-4F9A94B58776}"/>
-              </a:ext>
-            </a:extLst>
-          </p:cNvPr>
-          <p:cNvSpPr/>
-          <p:nvPr/>
-        </p:nvSpPr>
-        <p:spPr>
-          <a:xfrm rot="11842468">
-            <a:off x="5331554" y="606884"/>
-            <a:ext cx="700645" cy="463138"/>
-          </a:xfrm>
-          <a:prstGeom prst="leftArrow">
-            <a:avLst/>
-          </a:prstGeom>
-          <a:solidFill>
-            <a:schemeClr val="accent2"/>
-          </a:solidFill>
-          <a:ln>
-            <a:solidFill>
-              <a:schemeClr val="tx1"/>
-            </a:solidFill>
-          </a:ln>
-        </p:spPr>
-        <p:style>
-          <a:lnRef idx="2">
-            <a:schemeClr val="accent1">
-              <a:shade val="50000"/>
-            </a:schemeClr>
-          </a:lnRef>
-          <a:fillRef idx="1">
-            <a:schemeClr val="accent1"/>
-          </a:fillRef>
-          <a:effectRef idx="0">
-            <a:schemeClr val="accent1"/>
-          </a:effectRef>
-          <a:fontRef idx="minor">
-            <a:schemeClr val="lt1"/>
-          </a:fontRef>
-        </p:style>
-        <p:txBody>
-          <a:bodyPr rtlCol="0" anchor="ctr"/>
-          <a:lstStyle/>
-          <a:p>
-            <a:pPr algn="ctr"/>
-            <a:endParaRPr lang="en-US" dirty="0"/>
-          </a:p>
-        </p:txBody>
-      </p:sp>
-      <p:sp>
-        <p:nvSpPr>
-          <p:cNvPr id="6" name="Rounded Rectangle 5">
-            <a:extLst>
-              <a:ext uri="{FF2B5EF4-FFF2-40B4-BE49-F238E27FC236}">
-                <a16:creationId xmlns:a16="http://schemas.microsoft.com/office/drawing/2014/main" id="{66362B97-A58C-1747-8FB8-6816ABBC6005}"/>
-              </a:ext>
-            </a:extLst>
-          </p:cNvPr>
-          <p:cNvSpPr/>
-          <p:nvPr/>
-        </p:nvSpPr>
-        <p:spPr>
-          <a:xfrm>
-            <a:off x="6085365" y="956251"/>
-            <a:ext cx="1325527" cy="415636"/>
-          </a:xfrm>
-          <a:prstGeom prst="roundRect">
-            <a:avLst/>
-          </a:prstGeom>
-          <a:noFill/>
-          <a:ln w="38100">
+        </p:grpSpPr>
+        <p:pic>
+          <p:nvPicPr>
+            <p:cNvPr id="3" name="Picture 2">
+              <a:extLst>
+                <a:ext uri="{FF2B5EF4-FFF2-40B4-BE49-F238E27FC236}">
+                  <a16:creationId xmlns:a16="http://schemas.microsoft.com/office/drawing/2014/main" id="{0C0898A7-F383-0548-8178-55B9CCFAA7CC}"/>
+                </a:ext>
+              </a:extLst>
+            </p:cNvPr>
+            <p:cNvPicPr>
+              <a:picLocks noChangeAspect="1"/>
+            </p:cNvPicPr>
+            <p:nvPr/>
+          </p:nvPicPr>
+          <p:blipFill>
+            <a:blip r:embed="rId2"/>
+            <a:stretch>
+              <a:fillRect/>
+            </a:stretch>
+          </p:blipFill>
+          <p:spPr>
+            <a:xfrm>
+              <a:off x="1913704" y="0"/>
+              <a:ext cx="8364591" cy="6858000"/>
+            </a:xfrm>
+            <a:prstGeom prst="rect">
+              <a:avLst/>
+            </a:prstGeom>
+          </p:spPr>
+        </p:pic>
+        <p:sp>
+          <p:nvSpPr>
+            <p:cNvPr id="5" name="Left Arrow 4">
+              <a:extLst>
+                <a:ext uri="{FF2B5EF4-FFF2-40B4-BE49-F238E27FC236}">
+                  <a16:creationId xmlns:a16="http://schemas.microsoft.com/office/drawing/2014/main" id="{52B4379C-CCE8-F34C-B47C-4F9A94B58776}"/>
+                </a:ext>
+              </a:extLst>
+            </p:cNvPr>
+            <p:cNvSpPr/>
+            <p:nvPr/>
+          </p:nvSpPr>
+          <p:spPr>
+            <a:xfrm rot="11842468">
+              <a:off x="5331554" y="606884"/>
+              <a:ext cx="700645" cy="463138"/>
+            </a:xfrm>
+            <a:prstGeom prst="leftArrow">
+              <a:avLst/>
+            </a:prstGeom>
             <a:solidFill>
               <a:schemeClr val="accent2"/>
             </a:solidFill>
-          </a:ln>
-          <a:effectLst>
-            <a:outerShdw blurRad="50800" dist="38100" dir="2700000" algn="tl" rotWithShape="0">
-              <a:prstClr val="black">
-                <a:alpha val="40000"/>
-              </a:prstClr>
-            </a:outerShdw>
-          </a:effectLst>
-        </p:spPr>
-        <p:style>
-          <a:lnRef idx="2">
-            <a:schemeClr val="accent1">
-              <a:shade val="50000"/>
-            </a:schemeClr>
-          </a:lnRef>
-          <a:fillRef idx="1">
-            <a:schemeClr val="accent1"/>
-          </a:fillRef>
-          <a:effectRef idx="0">
-            <a:schemeClr val="accent1"/>
-          </a:effectRef>
-          <a:fontRef idx="minor">
-            <a:schemeClr val="lt1"/>
-          </a:fontRef>
-        </p:style>
-        <p:txBody>
-          <a:bodyPr rtlCol="0" anchor="ctr"/>
-          <a:lstStyle/>
-          <a:p>
-            <a:pPr algn="ctr"/>
-            <a:endParaRPr lang="en-US"/>
-          </a:p>
-        </p:txBody>
-      </p:sp>
+            <a:ln>
+              <a:solidFill>
+                <a:schemeClr val="tx1"/>
+              </a:solidFill>
+            </a:ln>
+          </p:spPr>
+          <p:style>
+            <a:lnRef idx="2">
+              <a:schemeClr val="accent1">
+                <a:shade val="50000"/>
+              </a:schemeClr>
+            </a:lnRef>
+            <a:fillRef idx="1">
+              <a:schemeClr val="accent1"/>
+            </a:fillRef>
+            <a:effectRef idx="0">
+              <a:schemeClr val="accent1"/>
+            </a:effectRef>
+            <a:fontRef idx="minor">
+              <a:schemeClr val="lt1"/>
+            </a:fontRef>
+          </p:style>
+          <p:txBody>
+            <a:bodyPr rtlCol="0" anchor="ctr"/>
+            <a:lstStyle/>
+            <a:p>
+              <a:pPr algn="ctr"/>
+              <a:endParaRPr lang="en-US" dirty="0"/>
+            </a:p>
+          </p:txBody>
+        </p:sp>
+        <p:sp>
+          <p:nvSpPr>
+            <p:cNvPr id="6" name="Rounded Rectangle 5">
+              <a:extLst>
+                <a:ext uri="{FF2B5EF4-FFF2-40B4-BE49-F238E27FC236}">
+                  <a16:creationId xmlns:a16="http://schemas.microsoft.com/office/drawing/2014/main" id="{66362B97-A58C-1747-8FB8-6816ABBC6005}"/>
+                </a:ext>
+              </a:extLst>
+            </p:cNvPr>
+            <p:cNvSpPr/>
+            <p:nvPr/>
+          </p:nvSpPr>
+          <p:spPr>
+            <a:xfrm>
+              <a:off x="6085365" y="956251"/>
+              <a:ext cx="1325527" cy="415636"/>
+            </a:xfrm>
+            <a:prstGeom prst="roundRect">
+              <a:avLst/>
+            </a:prstGeom>
+            <a:noFill/>
+            <a:ln w="38100">
+              <a:solidFill>
+                <a:schemeClr val="accent2"/>
+              </a:solidFill>
+            </a:ln>
+            <a:effectLst>
+              <a:outerShdw blurRad="50800" dist="38100" dir="2700000" algn="tl" rotWithShape="0">
+                <a:prstClr val="black">
+                  <a:alpha val="40000"/>
+                </a:prstClr>
+              </a:outerShdw>
+            </a:effectLst>
+          </p:spPr>
+          <p:style>
+            <a:lnRef idx="2">
+              <a:schemeClr val="accent1">
+                <a:shade val="50000"/>
+              </a:schemeClr>
+            </a:lnRef>
+            <a:fillRef idx="1">
+              <a:schemeClr val="accent1"/>
+            </a:fillRef>
+            <a:effectRef idx="0">
+              <a:schemeClr val="accent1"/>
+            </a:effectRef>
+            <a:fontRef idx="minor">
+              <a:schemeClr val="lt1"/>
+            </a:fontRef>
+          </p:style>
+          <p:txBody>
+            <a:bodyPr rtlCol="0" anchor="ctr"/>
+            <a:lstStyle/>
+            <a:p>
+              <a:pPr algn="ctr"/>
+              <a:endParaRPr lang="en-US"/>
+            </a:p>
+          </p:txBody>
+        </p:sp>
+      </p:grpSp>
     </p:spTree>
     <p:extLst>
       <p:ext uri="{BB962C8B-B14F-4D97-AF65-F5344CB8AC3E}">
@@ -7166,149 +7208,170 @@
           <a:chExt cx="0" cy="0"/>
         </a:xfrm>
       </p:grpSpPr>
-      <p:pic>
-        <p:nvPicPr>
-          <p:cNvPr id="3" name="Picture 2">
+      <p:grpSp>
+        <p:nvGrpSpPr>
+          <p:cNvPr id="2" name="Group 1">
             <a:extLst>
               <a:ext uri="{FF2B5EF4-FFF2-40B4-BE49-F238E27FC236}">
-                <a16:creationId xmlns:a16="http://schemas.microsoft.com/office/drawing/2014/main" id="{6FED707A-5825-D54E-B425-405D9AC88B35}"/>
+                <a16:creationId xmlns:a16="http://schemas.microsoft.com/office/drawing/2014/main" id="{7C2457FC-3ECF-5741-9572-11BFEE806B7D}"/>
               </a:ext>
             </a:extLst>
           </p:cNvPr>
-          <p:cNvPicPr>
-            <a:picLocks noChangeAspect="1"/>
-          </p:cNvPicPr>
+          <p:cNvGrpSpPr/>
           <p:nvPr/>
-        </p:nvPicPr>
-        <p:blipFill>
-          <a:blip r:embed="rId2"/>
-          <a:stretch>
-            <a:fillRect/>
-          </a:stretch>
-        </p:blipFill>
-        <p:spPr>
+        </p:nvGrpSpPr>
+        <p:grpSpPr>
           <a:xfrm>
             <a:off x="1913705" y="215610"/>
             <a:ext cx="8364591" cy="6858000"/>
+            <a:chOff x="1913705" y="215610"/>
+            <a:chExt cx="8364591" cy="6858000"/>
           </a:xfrm>
-          <a:prstGeom prst="rect">
-            <a:avLst/>
-          </a:prstGeom>
-        </p:spPr>
-      </p:pic>
-      <p:sp>
-        <p:nvSpPr>
-          <p:cNvPr id="7" name="Left Arrow 6">
-            <a:extLst>
-              <a:ext uri="{FF2B5EF4-FFF2-40B4-BE49-F238E27FC236}">
-                <a16:creationId xmlns:a16="http://schemas.microsoft.com/office/drawing/2014/main" id="{5B6FC8FB-8B7B-D04C-BEEC-5DA4CE22103B}"/>
-              </a:ext>
-            </a:extLst>
-          </p:cNvPr>
-          <p:cNvSpPr/>
-          <p:nvPr/>
-        </p:nvSpPr>
-        <p:spPr>
-          <a:xfrm rot="11842468">
-            <a:off x="3042009" y="2057228"/>
-            <a:ext cx="700645" cy="463138"/>
-          </a:xfrm>
-          <a:prstGeom prst="leftArrow">
-            <a:avLst/>
-          </a:prstGeom>
-          <a:solidFill>
-            <a:schemeClr val="accent2"/>
-          </a:solidFill>
-          <a:ln>
-            <a:solidFill>
-              <a:schemeClr val="tx1"/>
-            </a:solidFill>
-          </a:ln>
-        </p:spPr>
-        <p:style>
-          <a:lnRef idx="2">
-            <a:schemeClr val="accent1">
-              <a:shade val="50000"/>
-            </a:schemeClr>
-          </a:lnRef>
-          <a:fillRef idx="1">
-            <a:schemeClr val="accent1"/>
-          </a:fillRef>
-          <a:effectRef idx="0">
-            <a:schemeClr val="accent1"/>
-          </a:effectRef>
-          <a:fontRef idx="minor">
-            <a:schemeClr val="lt1"/>
-          </a:fontRef>
-        </p:style>
-        <p:txBody>
-          <a:bodyPr rtlCol="0" anchor="ctr"/>
-          <a:lstStyle/>
-          <a:p>
-            <a:pPr algn="ctr"/>
-            <a:endParaRPr lang="en-US" dirty="0"/>
-          </a:p>
-        </p:txBody>
-      </p:sp>
-      <p:sp>
-        <p:nvSpPr>
-          <p:cNvPr id="8" name="Rounded Rectangle 7">
-            <a:extLst>
-              <a:ext uri="{FF2B5EF4-FFF2-40B4-BE49-F238E27FC236}">
-                <a16:creationId xmlns:a16="http://schemas.microsoft.com/office/drawing/2014/main" id="{035D4622-4622-AF44-98E1-8CF0C7A8660D}"/>
-              </a:ext>
-            </a:extLst>
-          </p:cNvPr>
-          <p:cNvSpPr/>
-          <p:nvPr/>
-        </p:nvSpPr>
-        <p:spPr>
-          <a:xfrm>
-            <a:off x="3795820" y="2187916"/>
-            <a:ext cx="882500" cy="852991"/>
-          </a:xfrm>
-          <a:prstGeom prst="roundRect">
-            <a:avLst/>
-          </a:prstGeom>
-          <a:noFill/>
-          <a:ln w="38100">
+        </p:grpSpPr>
+        <p:pic>
+          <p:nvPicPr>
+            <p:cNvPr id="3" name="Picture 2">
+              <a:extLst>
+                <a:ext uri="{FF2B5EF4-FFF2-40B4-BE49-F238E27FC236}">
+                  <a16:creationId xmlns:a16="http://schemas.microsoft.com/office/drawing/2014/main" id="{6FED707A-5825-D54E-B425-405D9AC88B35}"/>
+                </a:ext>
+              </a:extLst>
+            </p:cNvPr>
+            <p:cNvPicPr>
+              <a:picLocks noChangeAspect="1"/>
+            </p:cNvPicPr>
+            <p:nvPr/>
+          </p:nvPicPr>
+          <p:blipFill>
+            <a:blip r:embed="rId2"/>
+            <a:stretch>
+              <a:fillRect/>
+            </a:stretch>
+          </p:blipFill>
+          <p:spPr>
+            <a:xfrm>
+              <a:off x="1913705" y="215610"/>
+              <a:ext cx="8364591" cy="6858000"/>
+            </a:xfrm>
+            <a:prstGeom prst="rect">
+              <a:avLst/>
+            </a:prstGeom>
+          </p:spPr>
+        </p:pic>
+        <p:sp>
+          <p:nvSpPr>
+            <p:cNvPr id="7" name="Left Arrow 6">
+              <a:extLst>
+                <a:ext uri="{FF2B5EF4-FFF2-40B4-BE49-F238E27FC236}">
+                  <a16:creationId xmlns:a16="http://schemas.microsoft.com/office/drawing/2014/main" id="{5B6FC8FB-8B7B-D04C-BEEC-5DA4CE22103B}"/>
+                </a:ext>
+              </a:extLst>
+            </p:cNvPr>
+            <p:cNvSpPr/>
+            <p:nvPr/>
+          </p:nvSpPr>
+          <p:spPr>
+            <a:xfrm rot="11842468">
+              <a:off x="3042009" y="2057228"/>
+              <a:ext cx="700645" cy="463138"/>
+            </a:xfrm>
+            <a:prstGeom prst="leftArrow">
+              <a:avLst/>
+            </a:prstGeom>
             <a:solidFill>
               <a:schemeClr val="accent2"/>
             </a:solidFill>
-          </a:ln>
-          <a:effectLst>
-            <a:outerShdw blurRad="50800" dist="38100" dir="2700000" algn="tl" rotWithShape="0">
-              <a:prstClr val="black">
-                <a:alpha val="40000"/>
-              </a:prstClr>
-            </a:outerShdw>
-          </a:effectLst>
-        </p:spPr>
-        <p:style>
-          <a:lnRef idx="2">
-            <a:schemeClr val="accent1">
-              <a:shade val="50000"/>
-            </a:schemeClr>
-          </a:lnRef>
-          <a:fillRef idx="1">
-            <a:schemeClr val="accent1"/>
-          </a:fillRef>
-          <a:effectRef idx="0">
-            <a:schemeClr val="accent1"/>
-          </a:effectRef>
-          <a:fontRef idx="minor">
-            <a:schemeClr val="lt1"/>
-          </a:fontRef>
-        </p:style>
-        <p:txBody>
-          <a:bodyPr rtlCol="0" anchor="ctr"/>
-          <a:lstStyle/>
-          <a:p>
-            <a:pPr algn="ctr"/>
-            <a:endParaRPr lang="en-US"/>
-          </a:p>
-        </p:txBody>
-      </p:sp>
+            <a:ln>
+              <a:solidFill>
+                <a:schemeClr val="tx1"/>
+              </a:solidFill>
+            </a:ln>
+          </p:spPr>
+          <p:style>
+            <a:lnRef idx="2">
+              <a:schemeClr val="accent1">
+                <a:shade val="50000"/>
+              </a:schemeClr>
+            </a:lnRef>
+            <a:fillRef idx="1">
+              <a:schemeClr val="accent1"/>
+            </a:fillRef>
+            <a:effectRef idx="0">
+              <a:schemeClr val="accent1"/>
+            </a:effectRef>
+            <a:fontRef idx="minor">
+              <a:schemeClr val="lt1"/>
+            </a:fontRef>
+          </p:style>
+          <p:txBody>
+            <a:bodyPr rtlCol="0" anchor="ctr"/>
+            <a:lstStyle/>
+            <a:p>
+              <a:pPr algn="ctr"/>
+              <a:endParaRPr lang="en-US" dirty="0"/>
+            </a:p>
+          </p:txBody>
+        </p:sp>
+        <p:sp>
+          <p:nvSpPr>
+            <p:cNvPr id="8" name="Rounded Rectangle 7">
+              <a:extLst>
+                <a:ext uri="{FF2B5EF4-FFF2-40B4-BE49-F238E27FC236}">
+                  <a16:creationId xmlns:a16="http://schemas.microsoft.com/office/drawing/2014/main" id="{035D4622-4622-AF44-98E1-8CF0C7A8660D}"/>
+                </a:ext>
+              </a:extLst>
+            </p:cNvPr>
+            <p:cNvSpPr/>
+            <p:nvPr/>
+          </p:nvSpPr>
+          <p:spPr>
+            <a:xfrm>
+              <a:off x="3795820" y="2187916"/>
+              <a:ext cx="882500" cy="852991"/>
+            </a:xfrm>
+            <a:prstGeom prst="roundRect">
+              <a:avLst/>
+            </a:prstGeom>
+            <a:noFill/>
+            <a:ln w="38100">
+              <a:solidFill>
+                <a:schemeClr val="accent2"/>
+              </a:solidFill>
+            </a:ln>
+            <a:effectLst>
+              <a:outerShdw blurRad="50800" dist="38100" dir="2700000" algn="tl" rotWithShape="0">
+                <a:prstClr val="black">
+                  <a:alpha val="40000"/>
+                </a:prstClr>
+              </a:outerShdw>
+            </a:effectLst>
+          </p:spPr>
+          <p:style>
+            <a:lnRef idx="2">
+              <a:schemeClr val="accent1">
+                <a:shade val="50000"/>
+              </a:schemeClr>
+            </a:lnRef>
+            <a:fillRef idx="1">
+              <a:schemeClr val="accent1"/>
+            </a:fillRef>
+            <a:effectRef idx="0">
+              <a:schemeClr val="accent1"/>
+            </a:effectRef>
+            <a:fontRef idx="minor">
+              <a:schemeClr val="lt1"/>
+            </a:fontRef>
+          </p:style>
+          <p:txBody>
+            <a:bodyPr rtlCol="0" anchor="ctr"/>
+            <a:lstStyle/>
+            <a:p>
+              <a:pPr algn="ctr"/>
+              <a:endParaRPr lang="en-US"/>
+            </a:p>
+          </p:txBody>
+        </p:sp>
+      </p:grpSp>
     </p:spTree>
     <p:extLst>
       <p:ext uri="{BB962C8B-B14F-4D97-AF65-F5344CB8AC3E}">
@@ -7339,149 +7402,170 @@
           <a:chExt cx="0" cy="0"/>
         </a:xfrm>
       </p:grpSpPr>
-      <p:pic>
-        <p:nvPicPr>
-          <p:cNvPr id="2" name="Picture 1">
+      <p:grpSp>
+        <p:nvGrpSpPr>
+          <p:cNvPr id="5" name="Group 4">
             <a:extLst>
               <a:ext uri="{FF2B5EF4-FFF2-40B4-BE49-F238E27FC236}">
-                <a16:creationId xmlns:a16="http://schemas.microsoft.com/office/drawing/2014/main" id="{24A6C38F-72CD-144A-B4CD-E292CFC479D4}"/>
+                <a16:creationId xmlns:a16="http://schemas.microsoft.com/office/drawing/2014/main" id="{0C24A449-00D5-6F42-BD60-193A8062DFFB}"/>
               </a:ext>
             </a:extLst>
           </p:cNvPr>
-          <p:cNvPicPr>
-            <a:picLocks noChangeAspect="1"/>
-          </p:cNvPicPr>
+          <p:cNvGrpSpPr/>
           <p:nvPr/>
-        </p:nvPicPr>
-        <p:blipFill>
-          <a:blip r:embed="rId2"/>
-          <a:stretch>
-            <a:fillRect/>
-          </a:stretch>
-        </p:blipFill>
-        <p:spPr>
+        </p:nvGrpSpPr>
+        <p:grpSpPr>
           <a:xfrm>
             <a:off x="1913705" y="0"/>
             <a:ext cx="8364591" cy="6858000"/>
+            <a:chOff x="1913705" y="0"/>
+            <a:chExt cx="8364591" cy="6858000"/>
           </a:xfrm>
-          <a:prstGeom prst="rect">
-            <a:avLst/>
-          </a:prstGeom>
-        </p:spPr>
-      </p:pic>
-      <p:sp>
-        <p:nvSpPr>
-          <p:cNvPr id="3" name="Left Arrow 2">
-            <a:extLst>
-              <a:ext uri="{FF2B5EF4-FFF2-40B4-BE49-F238E27FC236}">
-                <a16:creationId xmlns:a16="http://schemas.microsoft.com/office/drawing/2014/main" id="{799410EE-15A0-C041-A507-9D49876C3A5F}"/>
-              </a:ext>
-            </a:extLst>
-          </p:cNvPr>
-          <p:cNvSpPr/>
-          <p:nvPr/>
-        </p:nvSpPr>
-        <p:spPr>
-          <a:xfrm rot="11842468">
-            <a:off x="6710241" y="3535154"/>
-            <a:ext cx="700645" cy="463138"/>
-          </a:xfrm>
-          <a:prstGeom prst="leftArrow">
-            <a:avLst/>
-          </a:prstGeom>
-          <a:solidFill>
-            <a:schemeClr val="accent2"/>
-          </a:solidFill>
-          <a:ln>
-            <a:solidFill>
-              <a:schemeClr val="tx1"/>
-            </a:solidFill>
-          </a:ln>
-        </p:spPr>
-        <p:style>
-          <a:lnRef idx="2">
-            <a:schemeClr val="accent1">
-              <a:shade val="50000"/>
-            </a:schemeClr>
-          </a:lnRef>
-          <a:fillRef idx="1">
-            <a:schemeClr val="accent1"/>
-          </a:fillRef>
-          <a:effectRef idx="0">
-            <a:schemeClr val="accent1"/>
-          </a:effectRef>
-          <a:fontRef idx="minor">
-            <a:schemeClr val="lt1"/>
-          </a:fontRef>
-        </p:style>
-        <p:txBody>
-          <a:bodyPr rtlCol="0" anchor="ctr"/>
-          <a:lstStyle/>
-          <a:p>
-            <a:pPr algn="ctr"/>
-            <a:endParaRPr lang="en-US" dirty="0"/>
-          </a:p>
-        </p:txBody>
-      </p:sp>
-      <p:sp>
-        <p:nvSpPr>
-          <p:cNvPr id="4" name="Rounded Rectangle 3">
-            <a:extLst>
-              <a:ext uri="{FF2B5EF4-FFF2-40B4-BE49-F238E27FC236}">
-                <a16:creationId xmlns:a16="http://schemas.microsoft.com/office/drawing/2014/main" id="{51F32F8F-49DB-F048-98F5-D17DFDB1A211}"/>
-              </a:ext>
-            </a:extLst>
-          </p:cNvPr>
-          <p:cNvSpPr/>
-          <p:nvPr/>
-        </p:nvSpPr>
-        <p:spPr>
-          <a:xfrm>
-            <a:off x="7464052" y="3665842"/>
-            <a:ext cx="1531092" cy="938056"/>
-          </a:xfrm>
-          <a:prstGeom prst="roundRect">
-            <a:avLst/>
-          </a:prstGeom>
-          <a:noFill/>
-          <a:ln w="38100">
+        </p:grpSpPr>
+        <p:pic>
+          <p:nvPicPr>
+            <p:cNvPr id="2" name="Picture 1">
+              <a:extLst>
+                <a:ext uri="{FF2B5EF4-FFF2-40B4-BE49-F238E27FC236}">
+                  <a16:creationId xmlns:a16="http://schemas.microsoft.com/office/drawing/2014/main" id="{24A6C38F-72CD-144A-B4CD-E292CFC479D4}"/>
+                </a:ext>
+              </a:extLst>
+            </p:cNvPr>
+            <p:cNvPicPr>
+              <a:picLocks noChangeAspect="1"/>
+            </p:cNvPicPr>
+            <p:nvPr/>
+          </p:nvPicPr>
+          <p:blipFill>
+            <a:blip r:embed="rId2"/>
+            <a:stretch>
+              <a:fillRect/>
+            </a:stretch>
+          </p:blipFill>
+          <p:spPr>
+            <a:xfrm>
+              <a:off x="1913705" y="0"/>
+              <a:ext cx="8364591" cy="6858000"/>
+            </a:xfrm>
+            <a:prstGeom prst="rect">
+              <a:avLst/>
+            </a:prstGeom>
+          </p:spPr>
+        </p:pic>
+        <p:sp>
+          <p:nvSpPr>
+            <p:cNvPr id="3" name="Left Arrow 2">
+              <a:extLst>
+                <a:ext uri="{FF2B5EF4-FFF2-40B4-BE49-F238E27FC236}">
+                  <a16:creationId xmlns:a16="http://schemas.microsoft.com/office/drawing/2014/main" id="{799410EE-15A0-C041-A507-9D49876C3A5F}"/>
+                </a:ext>
+              </a:extLst>
+            </p:cNvPr>
+            <p:cNvSpPr/>
+            <p:nvPr/>
+          </p:nvSpPr>
+          <p:spPr>
+            <a:xfrm rot="11842468">
+              <a:off x="6710241" y="3535154"/>
+              <a:ext cx="700645" cy="463138"/>
+            </a:xfrm>
+            <a:prstGeom prst="leftArrow">
+              <a:avLst/>
+            </a:prstGeom>
             <a:solidFill>
               <a:schemeClr val="accent2"/>
             </a:solidFill>
-          </a:ln>
-          <a:effectLst>
-            <a:outerShdw blurRad="50800" dist="38100" dir="2700000" algn="tl" rotWithShape="0">
-              <a:prstClr val="black">
-                <a:alpha val="40000"/>
-              </a:prstClr>
-            </a:outerShdw>
-          </a:effectLst>
-        </p:spPr>
-        <p:style>
-          <a:lnRef idx="2">
-            <a:schemeClr val="accent1">
-              <a:shade val="50000"/>
-            </a:schemeClr>
-          </a:lnRef>
-          <a:fillRef idx="1">
-            <a:schemeClr val="accent1"/>
-          </a:fillRef>
-          <a:effectRef idx="0">
-            <a:schemeClr val="accent1"/>
-          </a:effectRef>
-          <a:fontRef idx="minor">
-            <a:schemeClr val="lt1"/>
-          </a:fontRef>
-        </p:style>
-        <p:txBody>
-          <a:bodyPr rtlCol="0" anchor="ctr"/>
-          <a:lstStyle/>
-          <a:p>
-            <a:pPr algn="ctr"/>
-            <a:endParaRPr lang="en-US"/>
-          </a:p>
-        </p:txBody>
-      </p:sp>
+            <a:ln>
+              <a:solidFill>
+                <a:schemeClr val="tx1"/>
+              </a:solidFill>
+            </a:ln>
+          </p:spPr>
+          <p:style>
+            <a:lnRef idx="2">
+              <a:schemeClr val="accent1">
+                <a:shade val="50000"/>
+              </a:schemeClr>
+            </a:lnRef>
+            <a:fillRef idx="1">
+              <a:schemeClr val="accent1"/>
+            </a:fillRef>
+            <a:effectRef idx="0">
+              <a:schemeClr val="accent1"/>
+            </a:effectRef>
+            <a:fontRef idx="minor">
+              <a:schemeClr val="lt1"/>
+            </a:fontRef>
+          </p:style>
+          <p:txBody>
+            <a:bodyPr rtlCol="0" anchor="ctr"/>
+            <a:lstStyle/>
+            <a:p>
+              <a:pPr algn="ctr"/>
+              <a:endParaRPr lang="en-US" dirty="0"/>
+            </a:p>
+          </p:txBody>
+        </p:sp>
+        <p:sp>
+          <p:nvSpPr>
+            <p:cNvPr id="4" name="Rounded Rectangle 3">
+              <a:extLst>
+                <a:ext uri="{FF2B5EF4-FFF2-40B4-BE49-F238E27FC236}">
+                  <a16:creationId xmlns:a16="http://schemas.microsoft.com/office/drawing/2014/main" id="{51F32F8F-49DB-F048-98F5-D17DFDB1A211}"/>
+                </a:ext>
+              </a:extLst>
+            </p:cNvPr>
+            <p:cNvSpPr/>
+            <p:nvPr/>
+          </p:nvSpPr>
+          <p:spPr>
+            <a:xfrm>
+              <a:off x="7464052" y="3665842"/>
+              <a:ext cx="1531092" cy="938056"/>
+            </a:xfrm>
+            <a:prstGeom prst="roundRect">
+              <a:avLst/>
+            </a:prstGeom>
+            <a:noFill/>
+            <a:ln w="38100">
+              <a:solidFill>
+                <a:schemeClr val="accent2"/>
+              </a:solidFill>
+            </a:ln>
+            <a:effectLst>
+              <a:outerShdw blurRad="50800" dist="38100" dir="2700000" algn="tl" rotWithShape="0">
+                <a:prstClr val="black">
+                  <a:alpha val="40000"/>
+                </a:prstClr>
+              </a:outerShdw>
+            </a:effectLst>
+          </p:spPr>
+          <p:style>
+            <a:lnRef idx="2">
+              <a:schemeClr val="accent1">
+                <a:shade val="50000"/>
+              </a:schemeClr>
+            </a:lnRef>
+            <a:fillRef idx="1">
+              <a:schemeClr val="accent1"/>
+            </a:fillRef>
+            <a:effectRef idx="0">
+              <a:schemeClr val="accent1"/>
+            </a:effectRef>
+            <a:fontRef idx="minor">
+              <a:schemeClr val="lt1"/>
+            </a:fontRef>
+          </p:style>
+          <p:txBody>
+            <a:bodyPr rtlCol="0" anchor="ctr"/>
+            <a:lstStyle/>
+            <a:p>
+              <a:pPr algn="ctr"/>
+              <a:endParaRPr lang="en-US"/>
+            </a:p>
+          </p:txBody>
+        </p:sp>
+      </p:grpSp>
     </p:spTree>
     <p:extLst>
       <p:ext uri="{BB962C8B-B14F-4D97-AF65-F5344CB8AC3E}">
